--- a/Market Predictors Project 3.pptx
+++ b/Market Predictors Project 3.pptx
@@ -6,9 +6,9 @@
   </p:sldMasterIdLst>
   <p:sldIdLst>
     <p:sldId id="256" r:id="rId2"/>
-    <p:sldId id="257" r:id="rId3"/>
-    <p:sldId id="258" r:id="rId4"/>
-    <p:sldId id="259" r:id="rId5"/>
+    <p:sldId id="258" r:id="rId3"/>
+    <p:sldId id="259" r:id="rId4"/>
+    <p:sldId id="257" r:id="rId5"/>
     <p:sldId id="260" r:id="rId6"/>
     <p:sldId id="261" r:id="rId7"/>
     <p:sldId id="265" r:id="rId8"/>
@@ -4180,7 +4180,7 @@
           <p:cNvPr id="2" name="Title 1">
             <a:extLst>
               <a:ext uri="{FF2B5EF4-FFF2-40B4-BE49-F238E27FC236}">
-                <a16:creationId xmlns:a16="http://schemas.microsoft.com/office/drawing/2014/main" id="{A440FF7E-C326-4928-8725-B9867F03F5F3}"/>
+                <a16:creationId xmlns:a16="http://schemas.microsoft.com/office/drawing/2014/main" id="{5AA2744A-5A81-40E2-A76E-A013AB7B976C}"/>
               </a:ext>
             </a:extLst>
           </p:cNvPr>
@@ -4193,313 +4193,75 @@
         </p:nvSpPr>
         <p:spPr>
           <a:xfrm>
-            <a:off x="838201" y="559813"/>
-            <a:ext cx="4876800" cy="5577934"/>
-          </a:xfrm>
-        </p:spPr>
-        <p:txBody>
-          <a:bodyPr>
-            <a:normAutofit/>
-          </a:bodyPr>
-          <a:lstStyle/>
-          <a:p>
-            <a:r>
-              <a:rPr lang="en-US" dirty="0"/>
-              <a:t> </a:t>
-            </a:r>
-          </a:p>
-        </p:txBody>
-      </p:sp>
-      <p:pic>
-        <p:nvPicPr>
-          <p:cNvPr id="7" name="Content Placeholder 6">
-            <a:extLst>
-              <a:ext uri="{FF2B5EF4-FFF2-40B4-BE49-F238E27FC236}">
-                <a16:creationId xmlns:a16="http://schemas.microsoft.com/office/drawing/2014/main" id="{60F2D2AC-6E5D-4309-93A7-38BF268D066B}"/>
-              </a:ext>
-            </a:extLst>
-          </p:cNvPr>
-          <p:cNvPicPr>
-            <a:picLocks noGrp="1" noChangeAspect="1"/>
-          </p:cNvPicPr>
-          <p:nvPr>
-            <p:ph idx="1"/>
-          </p:nvPr>
-        </p:nvPicPr>
-        <p:blipFill>
-          <a:blip r:embed="rId2">
-            <a:extLst>
-              <a:ext uri="{28A0092B-C50C-407E-A947-70E740481C1C}">
-                <a14:useLocalDpi xmlns:a14="http://schemas.microsoft.com/office/drawing/2010/main" val="0"/>
-              </a:ext>
-            </a:extLst>
-          </a:blip>
-          <a:stretch>
-            <a:fillRect/>
-          </a:stretch>
-        </p:blipFill>
-        <p:spPr>
-          <a:xfrm>
-            <a:off x="219075" y="2844914"/>
-            <a:ext cx="11791950" cy="1007731"/>
-          </a:xfrm>
-        </p:spPr>
-      </p:pic>
-      <p:sp>
-        <p:nvSpPr>
-          <p:cNvPr id="13" name="Content Placeholder 2">
-            <a:extLst>
-              <a:ext uri="{FF2B5EF4-FFF2-40B4-BE49-F238E27FC236}">
-                <a16:creationId xmlns:a16="http://schemas.microsoft.com/office/drawing/2014/main" id="{62FB2A3D-17A1-4616-A805-A81DC7B469C6}"/>
-              </a:ext>
-            </a:extLst>
-          </p:cNvPr>
-          <p:cNvSpPr txBox="1">
-            <a:spLocks/>
-          </p:cNvSpPr>
-          <p:nvPr/>
-        </p:nvSpPr>
-        <p:spPr>
-          <a:xfrm>
-            <a:off x="219075" y="892346"/>
-            <a:ext cx="11327907" cy="1952568"/>
-          </a:xfrm>
-          <a:prstGeom prst="rect">
-            <a:avLst/>
-          </a:prstGeom>
+            <a:off x="1137192" y="876300"/>
+            <a:ext cx="9942140" cy="5105400"/>
+          </a:xfrm>
         </p:spPr>
         <p:txBody>
           <a:bodyPr vert="horz" lIns="91440" tIns="45720" rIns="91440" bIns="45720" rtlCol="0" anchor="ctr">
             <a:normAutofit/>
           </a:bodyPr>
-          <a:lstStyle>
-            <a:lvl1pPr marL="228600" indent="-228600" algn="l" defTabSz="914400" rtl="0" eaLnBrk="1" latinLnBrk="0" hangingPunct="1">
-              <a:lnSpc>
-                <a:spcPct val="120000"/>
-              </a:lnSpc>
-              <a:spcBef>
-                <a:spcPts val="1000"/>
-              </a:spcBef>
-              <a:buClr>
-                <a:schemeClr val="accent1"/>
-              </a:buClr>
-              <a:buSzPct val="100000"/>
-              <a:buFont typeface="Arial" panose="020B0604020202020204" pitchFamily="34" charset="0"/>
-              <a:buChar char="•"/>
-              <a:defRPr sz="2000" kern="1200">
-                <a:solidFill>
-                  <a:schemeClr val="tx1"/>
-                </a:solidFill>
-                <a:effectLst/>
-                <a:latin typeface="+mn-lt"/>
-                <a:ea typeface="+mn-ea"/>
-                <a:cs typeface="+mn-cs"/>
-              </a:defRPr>
-            </a:lvl1pPr>
-            <a:lvl2pPr marL="685800" indent="-228600" algn="l" defTabSz="914400" rtl="0" eaLnBrk="1" latinLnBrk="0" hangingPunct="1">
-              <a:lnSpc>
-                <a:spcPct val="120000"/>
-              </a:lnSpc>
-              <a:spcBef>
-                <a:spcPts val="500"/>
-              </a:spcBef>
-              <a:buClr>
-                <a:schemeClr val="accent1"/>
-              </a:buClr>
-              <a:buSzPct val="100000"/>
-              <a:buFont typeface="Arial" panose="020B0604020202020204" pitchFamily="34" charset="0"/>
-              <a:buChar char="•"/>
-              <a:defRPr sz="1800" kern="1200" cap="none" baseline="0">
-                <a:solidFill>
-                  <a:schemeClr val="tx1"/>
-                </a:solidFill>
-                <a:effectLst/>
-                <a:latin typeface="+mn-lt"/>
-                <a:ea typeface="+mn-ea"/>
-                <a:cs typeface="+mn-cs"/>
-              </a:defRPr>
-            </a:lvl2pPr>
-            <a:lvl3pPr marL="1143000" indent="-228600" algn="l" defTabSz="914400" rtl="0" eaLnBrk="1" latinLnBrk="0" hangingPunct="1">
-              <a:lnSpc>
-                <a:spcPct val="120000"/>
-              </a:lnSpc>
-              <a:spcBef>
-                <a:spcPts val="500"/>
-              </a:spcBef>
-              <a:buClr>
-                <a:schemeClr val="accent1"/>
-              </a:buClr>
-              <a:buSzPct val="100000"/>
-              <a:buFont typeface="Arial" panose="020B0604020202020204" pitchFamily="34" charset="0"/>
-              <a:buChar char="•"/>
-              <a:defRPr sz="1600" kern="1200">
-                <a:solidFill>
-                  <a:schemeClr val="tx1"/>
-                </a:solidFill>
-                <a:effectLst/>
-                <a:latin typeface="+mn-lt"/>
-                <a:ea typeface="+mn-ea"/>
-                <a:cs typeface="+mn-cs"/>
-              </a:defRPr>
-            </a:lvl3pPr>
-            <a:lvl4pPr marL="1600200" indent="-228600" algn="l" defTabSz="914400" rtl="0" eaLnBrk="1" latinLnBrk="0" hangingPunct="1">
-              <a:lnSpc>
-                <a:spcPct val="120000"/>
-              </a:lnSpc>
-              <a:spcBef>
-                <a:spcPts val="500"/>
-              </a:spcBef>
-              <a:buClr>
-                <a:schemeClr val="accent1"/>
-              </a:buClr>
-              <a:buSzPct val="100000"/>
-              <a:buFont typeface="Arial" panose="020B0604020202020204" pitchFamily="34" charset="0"/>
-              <a:buChar char="•"/>
-              <a:defRPr sz="1400" kern="1200" cap="none" baseline="0">
-                <a:solidFill>
-                  <a:schemeClr val="tx1"/>
-                </a:solidFill>
-                <a:effectLst/>
-                <a:latin typeface="+mn-lt"/>
-                <a:ea typeface="+mn-ea"/>
-                <a:cs typeface="+mn-cs"/>
-              </a:defRPr>
-            </a:lvl4pPr>
-            <a:lvl5pPr marL="2057400" indent="-228600" algn="l" defTabSz="914400" rtl="0" eaLnBrk="1" latinLnBrk="0" hangingPunct="1">
-              <a:lnSpc>
-                <a:spcPct val="120000"/>
-              </a:lnSpc>
-              <a:spcBef>
-                <a:spcPts val="500"/>
-              </a:spcBef>
-              <a:buClr>
-                <a:schemeClr val="accent1"/>
-              </a:buClr>
-              <a:buSzPct val="100000"/>
-              <a:buFont typeface="Arial" panose="020B0604020202020204" pitchFamily="34" charset="0"/>
-              <a:buChar char="•"/>
-              <a:defRPr sz="1200" kern="1200">
-                <a:solidFill>
-                  <a:schemeClr val="tx1"/>
-                </a:solidFill>
-                <a:effectLst/>
-                <a:latin typeface="+mn-lt"/>
-                <a:ea typeface="+mn-ea"/>
-                <a:cs typeface="+mn-cs"/>
-              </a:defRPr>
-            </a:lvl5pPr>
-            <a:lvl6pPr marL="2514600" indent="-228600" algn="l" defTabSz="914400" rtl="0" eaLnBrk="1" latinLnBrk="0" hangingPunct="1">
-              <a:lnSpc>
-                <a:spcPct val="120000"/>
-              </a:lnSpc>
-              <a:spcBef>
-                <a:spcPts val="500"/>
-              </a:spcBef>
-              <a:buClr>
-                <a:schemeClr val="accent1"/>
-              </a:buClr>
-              <a:buSzPct val="100000"/>
-              <a:buFont typeface="Arial" panose="020B0604020202020204" pitchFamily="34" charset="0"/>
-              <a:buChar char="•"/>
-              <a:defRPr sz="1200" kern="1200">
-                <a:solidFill>
-                  <a:schemeClr val="tx1"/>
-                </a:solidFill>
-                <a:effectLst/>
-                <a:latin typeface="+mn-lt"/>
-                <a:ea typeface="+mn-ea"/>
-                <a:cs typeface="+mn-cs"/>
-              </a:defRPr>
-            </a:lvl6pPr>
-            <a:lvl7pPr marL="2971800" indent="-228600" algn="l" defTabSz="914400" rtl="0" eaLnBrk="1" latinLnBrk="0" hangingPunct="1">
-              <a:lnSpc>
-                <a:spcPct val="120000"/>
-              </a:lnSpc>
-              <a:spcBef>
-                <a:spcPts val="500"/>
-              </a:spcBef>
-              <a:buClr>
-                <a:schemeClr val="accent1"/>
-              </a:buClr>
-              <a:buSzPct val="100000"/>
-              <a:buFont typeface="Arial" panose="020B0604020202020204" pitchFamily="34" charset="0"/>
-              <a:buChar char="•"/>
-              <a:defRPr sz="1200" kern="1200">
-                <a:solidFill>
-                  <a:schemeClr val="tx1"/>
-                </a:solidFill>
-                <a:effectLst/>
-                <a:latin typeface="+mn-lt"/>
-                <a:ea typeface="+mn-ea"/>
-                <a:cs typeface="+mn-cs"/>
-              </a:defRPr>
-            </a:lvl7pPr>
-            <a:lvl8pPr marL="3429000" indent="-228600" algn="l" defTabSz="914400" rtl="0" eaLnBrk="1" latinLnBrk="0" hangingPunct="1">
-              <a:lnSpc>
-                <a:spcPct val="120000"/>
-              </a:lnSpc>
-              <a:spcBef>
-                <a:spcPts val="500"/>
-              </a:spcBef>
-              <a:buClr>
-                <a:schemeClr val="accent1"/>
-              </a:buClr>
-              <a:buSzPct val="100000"/>
-              <a:buFont typeface="Arial" panose="020B0604020202020204" pitchFamily="34" charset="0"/>
-              <a:buChar char="•"/>
-              <a:defRPr sz="1200" kern="1200" baseline="0">
-                <a:solidFill>
-                  <a:schemeClr val="tx1"/>
-                </a:solidFill>
-                <a:effectLst/>
-                <a:latin typeface="+mn-lt"/>
-                <a:ea typeface="+mn-ea"/>
-                <a:cs typeface="+mn-cs"/>
-              </a:defRPr>
-            </a:lvl8pPr>
-            <a:lvl9pPr marL="3886200" indent="-228600" algn="l" defTabSz="914400" rtl="0" eaLnBrk="1" latinLnBrk="0" hangingPunct="1">
-              <a:lnSpc>
-                <a:spcPct val="120000"/>
-              </a:lnSpc>
-              <a:spcBef>
-                <a:spcPts val="500"/>
-              </a:spcBef>
-              <a:buClr>
-                <a:schemeClr val="accent1"/>
-              </a:buClr>
-              <a:buSzPct val="100000"/>
-              <a:buFont typeface="Arial" panose="020B0604020202020204" pitchFamily="34" charset="0"/>
-              <a:buChar char="•"/>
-              <a:defRPr sz="1200" kern="1200" baseline="0">
-                <a:solidFill>
-                  <a:schemeClr val="tx1"/>
-                </a:solidFill>
-                <a:effectLst/>
-                <a:latin typeface="+mn-lt"/>
-                <a:ea typeface="+mn-ea"/>
-                <a:cs typeface="+mn-cs"/>
-              </a:defRPr>
-            </a:lvl9pPr>
-          </a:lstStyle>
-          <a:p>
-            <a:pPr marL="914400" lvl="2" indent="0">
-              <a:buFont typeface="Arial" panose="020B0604020202020204" pitchFamily="34" charset="0"/>
-              <a:buNone/>
-            </a:pPr>
-            <a:r>
-              <a:rPr lang="pt-PT" dirty="0"/>
-              <a:t>Neural Networks - LSTM </a:t>
-            </a:r>
-          </a:p>
-          <a:p>
-            <a:pPr marL="914400" lvl="2" indent="0">
-              <a:buFont typeface="Arial" panose="020B0604020202020204" pitchFamily="34" charset="0"/>
-              <a:buNone/>
-            </a:pPr>
-            <a:r>
-              <a:rPr lang="pt-PT" dirty="0"/>
-              <a:t>The Process</a:t>
-            </a:r>
+          <a:lstStyle/>
+          <a:p>
+            <a:r>
+              <a:rPr lang="pt-PT" sz="2400" dirty="0"/>
+              <a:t>Questions</a:t>
+            </a:r>
+            <a:r>
+              <a:rPr lang="pt-PT" sz="2000" dirty="0"/>
+              <a:t> that guide the project</a:t>
+            </a:r>
+            <a:br>
+              <a:rPr lang="en-US" sz="1400" dirty="0"/>
+            </a:br>
+            <a:br>
+              <a:rPr lang="en-US" sz="1400" dirty="0"/>
+            </a:br>
+            <a:br>
+              <a:rPr lang="en-US" sz="1400" dirty="0"/>
+            </a:br>
+            <a:br>
+              <a:rPr lang="en-US" sz="1400" dirty="0"/>
+            </a:br>
+            <a:br>
+              <a:rPr lang="en-US" sz="1400" dirty="0"/>
+            </a:br>
+            <a:br>
+              <a:rPr lang="en-US" sz="2200" dirty="0"/>
+            </a:br>
+            <a:r>
+              <a:rPr lang="en-US" sz="2200" b="1" dirty="0"/>
+              <a:t>On Machine Learning</a:t>
+            </a:r>
+            <a:br>
+              <a:rPr lang="en-US" sz="2200" b="1" dirty="0"/>
+            </a:br>
+            <a:br>
+              <a:rPr lang="en-US" sz="2200" dirty="0"/>
+            </a:br>
+            <a:r>
+              <a:rPr lang="en-US" sz="2200" dirty="0"/>
+              <a:t>How to approach data in a time series with machine learning tools?</a:t>
+            </a:r>
+            <a:br>
+              <a:rPr lang="en-US" sz="2200" dirty="0"/>
+            </a:br>
+            <a:br>
+              <a:rPr lang="en-US" sz="2200" dirty="0"/>
+            </a:br>
+            <a:br>
+              <a:rPr lang="en-US" sz="2200" dirty="0"/>
+            </a:br>
+            <a:r>
+              <a:rPr lang="en-US" sz="2200" dirty="0"/>
+              <a:t>How can we use these tools for asset value prediction?</a:t>
+            </a:r>
+            <a:br>
+              <a:rPr lang="en-US" sz="2200" dirty="0"/>
+            </a:br>
+            <a:br>
+              <a:rPr lang="en-US" sz="2200" dirty="0"/>
+            </a:br>
             <a:endParaRPr lang="en-US" dirty="0"/>
           </a:p>
         </p:txBody>
@@ -4507,7 +4269,7 @@
     </p:spTree>
     <p:extLst>
       <p:ext uri="{BB962C8B-B14F-4D97-AF65-F5344CB8AC3E}">
-        <p14:creationId xmlns:p14="http://schemas.microsoft.com/office/powerpoint/2010/main" val="2195280627"/>
+        <p14:creationId xmlns:p14="http://schemas.microsoft.com/office/powerpoint/2010/main" val="1044065491"/>
       </p:ext>
     </p:extLst>
   </p:cSld>
@@ -4547,7 +4309,7 @@
           <p:cNvPr id="2" name="Title 1">
             <a:extLst>
               <a:ext uri="{FF2B5EF4-FFF2-40B4-BE49-F238E27FC236}">
-                <a16:creationId xmlns:a16="http://schemas.microsoft.com/office/drawing/2014/main" id="{5AA2744A-5A81-40E2-A76E-A013AB7B976C}"/>
+                <a16:creationId xmlns:a16="http://schemas.microsoft.com/office/drawing/2014/main" id="{51EB1BCF-9469-4565-A378-FDA571081EF4}"/>
               </a:ext>
             </a:extLst>
           </p:cNvPr>
@@ -4560,83 +4322,130 @@
         </p:nvSpPr>
         <p:spPr>
           <a:xfrm>
-            <a:off x="1137192" y="876300"/>
-            <a:ext cx="9942140" cy="5105400"/>
-          </a:xfrm>
-        </p:spPr>
-        <p:txBody>
-          <a:bodyPr vert="horz" lIns="91440" tIns="45720" rIns="91440" bIns="45720" rtlCol="0" anchor="ctr">
+            <a:off x="636234" y="559814"/>
+            <a:ext cx="5181599" cy="5612387"/>
+          </a:xfrm>
+        </p:spPr>
+        <p:txBody>
+          <a:bodyPr anchor="ctr">
             <a:normAutofit/>
           </a:bodyPr>
           <a:lstStyle/>
           <a:p>
+            <a:br>
+              <a:rPr lang="en-US" dirty="0"/>
+            </a:br>
+            <a:endParaRPr lang="en-US" dirty="0"/>
+          </a:p>
+        </p:txBody>
+      </p:sp>
+      <p:sp>
+        <p:nvSpPr>
+          <p:cNvPr id="3" name="Content Placeholder 2">
+            <a:extLst>
+              <a:ext uri="{FF2B5EF4-FFF2-40B4-BE49-F238E27FC236}">
+                <a16:creationId xmlns:a16="http://schemas.microsoft.com/office/drawing/2014/main" id="{AC142E83-FFE5-43B7-BA9E-C509669BFF3A}"/>
+              </a:ext>
+            </a:extLst>
+          </p:cNvPr>
+          <p:cNvSpPr>
+            <a:spLocks noGrp="1"/>
+          </p:cNvSpPr>
+          <p:nvPr>
+            <p:ph idx="1"/>
+          </p:nvPr>
+        </p:nvSpPr>
+        <p:spPr>
+          <a:xfrm>
+            <a:off x="506027" y="559814"/>
+            <a:ext cx="11327907" cy="1952568"/>
+          </a:xfrm>
+        </p:spPr>
+        <p:txBody>
+          <a:bodyPr anchor="ctr">
+            <a:normAutofit/>
+          </a:bodyPr>
+          <a:lstStyle/>
+          <a:p>
+            <a:pPr marL="914400" lvl="2" indent="0">
+              <a:buNone/>
+            </a:pPr>
             <a:r>
               <a:rPr lang="pt-PT" sz="2400" dirty="0"/>
-              <a:t>Questions</a:t>
-            </a:r>
-            <a:r>
-              <a:rPr lang="pt-PT" sz="2000" dirty="0"/>
-              <a:t> that guide the project</a:t>
-            </a:r>
-            <a:br>
-              <a:rPr lang="en-US" sz="1400" dirty="0"/>
-            </a:br>
-            <a:br>
-              <a:rPr lang="en-US" sz="1400" dirty="0"/>
-            </a:br>
-            <a:br>
-              <a:rPr lang="en-US" sz="1400" dirty="0"/>
-            </a:br>
-            <a:br>
-              <a:rPr lang="en-US" sz="1400" dirty="0"/>
-            </a:br>
-            <a:br>
-              <a:rPr lang="en-US" sz="1400" dirty="0"/>
-            </a:br>
+              <a:t>Questions that guide the project</a:t>
+            </a:r>
+            <a:endParaRPr lang="en-US" sz="1600" dirty="0"/>
+          </a:p>
+        </p:txBody>
+      </p:sp>
+      <p:sp>
+        <p:nvSpPr>
+          <p:cNvPr id="12" name="TextBox 11">
+            <a:extLst>
+              <a:ext uri="{FF2B5EF4-FFF2-40B4-BE49-F238E27FC236}">
+                <a16:creationId xmlns:a16="http://schemas.microsoft.com/office/drawing/2014/main" id="{74A706BF-5E3B-4A79-9D3D-AD98CAAFBBE3}"/>
+              </a:ext>
+            </a:extLst>
+          </p:cNvPr>
+          <p:cNvSpPr txBox="1"/>
+          <p:nvPr/>
+        </p:nvSpPr>
+        <p:spPr>
+          <a:xfrm>
+            <a:off x="1420426" y="2767119"/>
+            <a:ext cx="8478175" cy="2677656"/>
+          </a:xfrm>
+          <a:prstGeom prst="rect">
+            <a:avLst/>
+          </a:prstGeom>
+          <a:noFill/>
+        </p:spPr>
+        <p:txBody>
+          <a:bodyPr wrap="square">
+            <a:spAutoFit/>
+          </a:bodyPr>
+          <a:lstStyle/>
+          <a:p>
+            <a:r>
+              <a:rPr lang="en-US" sz="2200" b="1" dirty="0"/>
+              <a:t>On the Data</a:t>
+            </a:r>
+          </a:p>
+          <a:p>
+            <a:endParaRPr lang="en-US" dirty="0"/>
+          </a:p>
+          <a:p>
+            <a:r>
+              <a:rPr lang="en-US" sz="2200" dirty="0"/>
+              <a:t>Is there any uniqueness in analyzing the value of assets than remained relevant for 40 years?</a:t>
+            </a:r>
             <a:br>
               <a:rPr lang="en-US" sz="2200" dirty="0"/>
             </a:br>
-            <a:r>
-              <a:rPr lang="en-US" sz="2200" b="1" dirty="0"/>
-              <a:t>On Machine Learning</a:t>
-            </a:r>
+            <a:endParaRPr lang="en-US" sz="2200" dirty="0"/>
+          </a:p>
+          <a:p>
             <a:br>
-              <a:rPr lang="en-US" sz="2200" b="1" dirty="0"/>
+              <a:rPr lang="en-US" sz="1800" dirty="0"/>
             </a:br>
+            <a:r>
+              <a:rPr lang="en-US" sz="2200" dirty="0"/>
+              <a:t>Is there any uniqueness in comparing the value of assets </a:t>
+            </a:r>
             <a:br>
               <a:rPr lang="en-US" sz="2200" dirty="0"/>
             </a:br>
             <a:r>
               <a:rPr lang="en-US" sz="2200" dirty="0"/>
-              <a:t>How to approach data in a time series with machine learning tools?</a:t>
-            </a:r>
-            <a:br>
-              <a:rPr lang="en-US" sz="2200" dirty="0"/>
-            </a:br>
-            <a:br>
-              <a:rPr lang="en-US" sz="2200" dirty="0"/>
-            </a:br>
-            <a:br>
-              <a:rPr lang="en-US" sz="2200" dirty="0"/>
-            </a:br>
-            <a:r>
-              <a:rPr lang="en-US" sz="2200" dirty="0"/>
-              <a:t>How can we use these tools for asset value prediction?</a:t>
-            </a:r>
-            <a:br>
-              <a:rPr lang="en-US" sz="2200" dirty="0"/>
-            </a:br>
-            <a:br>
-              <a:rPr lang="en-US" sz="2200" dirty="0"/>
-            </a:br>
-            <a:endParaRPr lang="en-US" dirty="0"/>
+              <a:t>play a major role in the world economy?</a:t>
+            </a:r>
           </a:p>
         </p:txBody>
       </p:sp>
     </p:spTree>
     <p:extLst>
       <p:ext uri="{BB962C8B-B14F-4D97-AF65-F5344CB8AC3E}">
-        <p14:creationId xmlns:p14="http://schemas.microsoft.com/office/powerpoint/2010/main" val="1044065491"/>
+        <p14:creationId xmlns:p14="http://schemas.microsoft.com/office/powerpoint/2010/main" val="2254303493"/>
       </p:ext>
     </p:extLst>
   </p:cSld>
@@ -4676,7 +4485,7 @@
           <p:cNvPr id="2" name="Title 1">
             <a:extLst>
               <a:ext uri="{FF2B5EF4-FFF2-40B4-BE49-F238E27FC236}">
-                <a16:creationId xmlns:a16="http://schemas.microsoft.com/office/drawing/2014/main" id="{51EB1BCF-9469-4565-A378-FDA571081EF4}"/>
+                <a16:creationId xmlns:a16="http://schemas.microsoft.com/office/drawing/2014/main" id="{A440FF7E-C326-4928-8725-B9867F03F5F3}"/>
               </a:ext>
             </a:extLst>
           </p:cNvPr>
@@ -4689,130 +4498,321 @@
         </p:nvSpPr>
         <p:spPr>
           <a:xfrm>
-            <a:off x="636234" y="559814"/>
-            <a:ext cx="5181599" cy="5612387"/>
-          </a:xfrm>
-        </p:spPr>
-        <p:txBody>
-          <a:bodyPr anchor="ctr">
+            <a:off x="838201" y="559813"/>
+            <a:ext cx="4876800" cy="5577934"/>
+          </a:xfrm>
+        </p:spPr>
+        <p:txBody>
+          <a:bodyPr>
             <a:normAutofit/>
           </a:bodyPr>
           <a:lstStyle/>
           <a:p>
-            <a:br>
+            <a:r>
               <a:rPr lang="en-US" dirty="0"/>
-            </a:br>
-            <a:endParaRPr lang="en-US" dirty="0"/>
-          </a:p>
-        </p:txBody>
-      </p:sp>
-      <p:sp>
-        <p:nvSpPr>
-          <p:cNvPr id="3" name="Content Placeholder 2">
+              <a:t> </a:t>
+            </a:r>
+          </a:p>
+        </p:txBody>
+      </p:sp>
+      <p:pic>
+        <p:nvPicPr>
+          <p:cNvPr id="7" name="Content Placeholder 6">
             <a:extLst>
               <a:ext uri="{FF2B5EF4-FFF2-40B4-BE49-F238E27FC236}">
-                <a16:creationId xmlns:a16="http://schemas.microsoft.com/office/drawing/2014/main" id="{AC142E83-FFE5-43B7-BA9E-C509669BFF3A}"/>
+                <a16:creationId xmlns:a16="http://schemas.microsoft.com/office/drawing/2014/main" id="{60F2D2AC-6E5D-4309-93A7-38BF268D066B}"/>
               </a:ext>
             </a:extLst>
           </p:cNvPr>
-          <p:cNvSpPr>
-            <a:spLocks noGrp="1"/>
-          </p:cNvSpPr>
+          <p:cNvPicPr>
+            <a:picLocks noGrp="1" noChangeAspect="1"/>
+          </p:cNvPicPr>
           <p:nvPr>
             <p:ph idx="1"/>
           </p:nvPr>
-        </p:nvSpPr>
-        <p:spPr>
-          <a:xfrm>
-            <a:off x="506027" y="559814"/>
-            <a:ext cx="11327907" cy="1952568"/>
-          </a:xfrm>
-        </p:spPr>
-        <p:txBody>
-          <a:bodyPr anchor="ctr">
-            <a:normAutofit/>
-          </a:bodyPr>
-          <a:lstStyle/>
-          <a:p>
-            <a:pPr marL="914400" lvl="2" indent="0">
-              <a:buNone/>
-            </a:pPr>
-            <a:r>
-              <a:rPr lang="pt-PT" sz="2400" dirty="0"/>
-              <a:t>Questions that guide the project</a:t>
-            </a:r>
-            <a:endParaRPr lang="en-US" sz="1600" dirty="0"/>
-          </a:p>
-        </p:txBody>
-      </p:sp>
-      <p:sp>
-        <p:nvSpPr>
-          <p:cNvPr id="12" name="TextBox 11">
+        </p:nvPicPr>
+        <p:blipFill>
+          <a:blip r:embed="rId2">
+            <a:extLst>
+              <a:ext uri="{28A0092B-C50C-407E-A947-70E740481C1C}">
+                <a14:useLocalDpi xmlns:a14="http://schemas.microsoft.com/office/drawing/2010/main" val="0"/>
+              </a:ext>
+            </a:extLst>
+          </a:blip>
+          <a:stretch>
+            <a:fillRect/>
+          </a:stretch>
+        </p:blipFill>
+        <p:spPr>
+          <a:xfrm>
+            <a:off x="219075" y="2844914"/>
+            <a:ext cx="11791950" cy="1007731"/>
+          </a:xfrm>
+        </p:spPr>
+      </p:pic>
+      <p:sp>
+        <p:nvSpPr>
+          <p:cNvPr id="13" name="Content Placeholder 2">
             <a:extLst>
               <a:ext uri="{FF2B5EF4-FFF2-40B4-BE49-F238E27FC236}">
-                <a16:creationId xmlns:a16="http://schemas.microsoft.com/office/drawing/2014/main" id="{74A706BF-5E3B-4A79-9D3D-AD98CAAFBBE3}"/>
+                <a16:creationId xmlns:a16="http://schemas.microsoft.com/office/drawing/2014/main" id="{62FB2A3D-17A1-4616-A805-A81DC7B469C6}"/>
               </a:ext>
             </a:extLst>
           </p:cNvPr>
-          <p:cNvSpPr txBox="1"/>
+          <p:cNvSpPr txBox="1">
+            <a:spLocks/>
+          </p:cNvSpPr>
           <p:nvPr/>
         </p:nvSpPr>
         <p:spPr>
           <a:xfrm>
-            <a:off x="1420426" y="2767119"/>
-            <a:ext cx="8478175" cy="2677656"/>
+            <a:off x="219075" y="892346"/>
+            <a:ext cx="11327907" cy="1952568"/>
           </a:xfrm>
           <a:prstGeom prst="rect">
             <a:avLst/>
           </a:prstGeom>
-          <a:noFill/>
-        </p:spPr>
-        <p:txBody>
-          <a:bodyPr wrap="square">
-            <a:spAutoFit/>
+        </p:spPr>
+        <p:txBody>
+          <a:bodyPr vert="horz" lIns="91440" tIns="45720" rIns="91440" bIns="45720" rtlCol="0" anchor="ctr">
+            <a:normAutofit/>
           </a:bodyPr>
-          <a:lstStyle/>
-          <a:p>
-            <a:r>
-              <a:rPr lang="en-US" sz="2200" b="1" dirty="0"/>
-              <a:t>On the Data</a:t>
-            </a:r>
-          </a:p>
-          <a:p>
+          <a:lstStyle>
+            <a:lvl1pPr marL="228600" indent="-228600" algn="l" defTabSz="914400" rtl="0" eaLnBrk="1" latinLnBrk="0" hangingPunct="1">
+              <a:lnSpc>
+                <a:spcPct val="120000"/>
+              </a:lnSpc>
+              <a:spcBef>
+                <a:spcPts val="1000"/>
+              </a:spcBef>
+              <a:buClr>
+                <a:schemeClr val="accent1"/>
+              </a:buClr>
+              <a:buSzPct val="100000"/>
+              <a:buFont typeface="Arial" panose="020B0604020202020204" pitchFamily="34" charset="0"/>
+              <a:buChar char="•"/>
+              <a:defRPr sz="2000" kern="1200">
+                <a:solidFill>
+                  <a:schemeClr val="tx1"/>
+                </a:solidFill>
+                <a:effectLst/>
+                <a:latin typeface="+mn-lt"/>
+                <a:ea typeface="+mn-ea"/>
+                <a:cs typeface="+mn-cs"/>
+              </a:defRPr>
+            </a:lvl1pPr>
+            <a:lvl2pPr marL="685800" indent="-228600" algn="l" defTabSz="914400" rtl="0" eaLnBrk="1" latinLnBrk="0" hangingPunct="1">
+              <a:lnSpc>
+                <a:spcPct val="120000"/>
+              </a:lnSpc>
+              <a:spcBef>
+                <a:spcPts val="500"/>
+              </a:spcBef>
+              <a:buClr>
+                <a:schemeClr val="accent1"/>
+              </a:buClr>
+              <a:buSzPct val="100000"/>
+              <a:buFont typeface="Arial" panose="020B0604020202020204" pitchFamily="34" charset="0"/>
+              <a:buChar char="•"/>
+              <a:defRPr sz="1800" kern="1200" cap="none" baseline="0">
+                <a:solidFill>
+                  <a:schemeClr val="tx1"/>
+                </a:solidFill>
+                <a:effectLst/>
+                <a:latin typeface="+mn-lt"/>
+                <a:ea typeface="+mn-ea"/>
+                <a:cs typeface="+mn-cs"/>
+              </a:defRPr>
+            </a:lvl2pPr>
+            <a:lvl3pPr marL="1143000" indent="-228600" algn="l" defTabSz="914400" rtl="0" eaLnBrk="1" latinLnBrk="0" hangingPunct="1">
+              <a:lnSpc>
+                <a:spcPct val="120000"/>
+              </a:lnSpc>
+              <a:spcBef>
+                <a:spcPts val="500"/>
+              </a:spcBef>
+              <a:buClr>
+                <a:schemeClr val="accent1"/>
+              </a:buClr>
+              <a:buSzPct val="100000"/>
+              <a:buFont typeface="Arial" panose="020B0604020202020204" pitchFamily="34" charset="0"/>
+              <a:buChar char="•"/>
+              <a:defRPr sz="1600" kern="1200">
+                <a:solidFill>
+                  <a:schemeClr val="tx1"/>
+                </a:solidFill>
+                <a:effectLst/>
+                <a:latin typeface="+mn-lt"/>
+                <a:ea typeface="+mn-ea"/>
+                <a:cs typeface="+mn-cs"/>
+              </a:defRPr>
+            </a:lvl3pPr>
+            <a:lvl4pPr marL="1600200" indent="-228600" algn="l" defTabSz="914400" rtl="0" eaLnBrk="1" latinLnBrk="0" hangingPunct="1">
+              <a:lnSpc>
+                <a:spcPct val="120000"/>
+              </a:lnSpc>
+              <a:spcBef>
+                <a:spcPts val="500"/>
+              </a:spcBef>
+              <a:buClr>
+                <a:schemeClr val="accent1"/>
+              </a:buClr>
+              <a:buSzPct val="100000"/>
+              <a:buFont typeface="Arial" panose="020B0604020202020204" pitchFamily="34" charset="0"/>
+              <a:buChar char="•"/>
+              <a:defRPr sz="1400" kern="1200" cap="none" baseline="0">
+                <a:solidFill>
+                  <a:schemeClr val="tx1"/>
+                </a:solidFill>
+                <a:effectLst/>
+                <a:latin typeface="+mn-lt"/>
+                <a:ea typeface="+mn-ea"/>
+                <a:cs typeface="+mn-cs"/>
+              </a:defRPr>
+            </a:lvl4pPr>
+            <a:lvl5pPr marL="2057400" indent="-228600" algn="l" defTabSz="914400" rtl="0" eaLnBrk="1" latinLnBrk="0" hangingPunct="1">
+              <a:lnSpc>
+                <a:spcPct val="120000"/>
+              </a:lnSpc>
+              <a:spcBef>
+                <a:spcPts val="500"/>
+              </a:spcBef>
+              <a:buClr>
+                <a:schemeClr val="accent1"/>
+              </a:buClr>
+              <a:buSzPct val="100000"/>
+              <a:buFont typeface="Arial" panose="020B0604020202020204" pitchFamily="34" charset="0"/>
+              <a:buChar char="•"/>
+              <a:defRPr sz="1200" kern="1200">
+                <a:solidFill>
+                  <a:schemeClr val="tx1"/>
+                </a:solidFill>
+                <a:effectLst/>
+                <a:latin typeface="+mn-lt"/>
+                <a:ea typeface="+mn-ea"/>
+                <a:cs typeface="+mn-cs"/>
+              </a:defRPr>
+            </a:lvl5pPr>
+            <a:lvl6pPr marL="2514600" indent="-228600" algn="l" defTabSz="914400" rtl="0" eaLnBrk="1" latinLnBrk="0" hangingPunct="1">
+              <a:lnSpc>
+                <a:spcPct val="120000"/>
+              </a:lnSpc>
+              <a:spcBef>
+                <a:spcPts val="500"/>
+              </a:spcBef>
+              <a:buClr>
+                <a:schemeClr val="accent1"/>
+              </a:buClr>
+              <a:buSzPct val="100000"/>
+              <a:buFont typeface="Arial" panose="020B0604020202020204" pitchFamily="34" charset="0"/>
+              <a:buChar char="•"/>
+              <a:defRPr sz="1200" kern="1200">
+                <a:solidFill>
+                  <a:schemeClr val="tx1"/>
+                </a:solidFill>
+                <a:effectLst/>
+                <a:latin typeface="+mn-lt"/>
+                <a:ea typeface="+mn-ea"/>
+                <a:cs typeface="+mn-cs"/>
+              </a:defRPr>
+            </a:lvl6pPr>
+            <a:lvl7pPr marL="2971800" indent="-228600" algn="l" defTabSz="914400" rtl="0" eaLnBrk="1" latinLnBrk="0" hangingPunct="1">
+              <a:lnSpc>
+                <a:spcPct val="120000"/>
+              </a:lnSpc>
+              <a:spcBef>
+                <a:spcPts val="500"/>
+              </a:spcBef>
+              <a:buClr>
+                <a:schemeClr val="accent1"/>
+              </a:buClr>
+              <a:buSzPct val="100000"/>
+              <a:buFont typeface="Arial" panose="020B0604020202020204" pitchFamily="34" charset="0"/>
+              <a:buChar char="•"/>
+              <a:defRPr sz="1200" kern="1200">
+                <a:solidFill>
+                  <a:schemeClr val="tx1"/>
+                </a:solidFill>
+                <a:effectLst/>
+                <a:latin typeface="+mn-lt"/>
+                <a:ea typeface="+mn-ea"/>
+                <a:cs typeface="+mn-cs"/>
+              </a:defRPr>
+            </a:lvl7pPr>
+            <a:lvl8pPr marL="3429000" indent="-228600" algn="l" defTabSz="914400" rtl="0" eaLnBrk="1" latinLnBrk="0" hangingPunct="1">
+              <a:lnSpc>
+                <a:spcPct val="120000"/>
+              </a:lnSpc>
+              <a:spcBef>
+                <a:spcPts val="500"/>
+              </a:spcBef>
+              <a:buClr>
+                <a:schemeClr val="accent1"/>
+              </a:buClr>
+              <a:buSzPct val="100000"/>
+              <a:buFont typeface="Arial" panose="020B0604020202020204" pitchFamily="34" charset="0"/>
+              <a:buChar char="•"/>
+              <a:defRPr sz="1200" kern="1200" baseline="0">
+                <a:solidFill>
+                  <a:schemeClr val="tx1"/>
+                </a:solidFill>
+                <a:effectLst/>
+                <a:latin typeface="+mn-lt"/>
+                <a:ea typeface="+mn-ea"/>
+                <a:cs typeface="+mn-cs"/>
+              </a:defRPr>
+            </a:lvl8pPr>
+            <a:lvl9pPr marL="3886200" indent="-228600" algn="l" defTabSz="914400" rtl="0" eaLnBrk="1" latinLnBrk="0" hangingPunct="1">
+              <a:lnSpc>
+                <a:spcPct val="120000"/>
+              </a:lnSpc>
+              <a:spcBef>
+                <a:spcPts val="500"/>
+              </a:spcBef>
+              <a:buClr>
+                <a:schemeClr val="accent1"/>
+              </a:buClr>
+              <a:buSzPct val="100000"/>
+              <a:buFont typeface="Arial" panose="020B0604020202020204" pitchFamily="34" charset="0"/>
+              <a:buChar char="•"/>
+              <a:defRPr sz="1200" kern="1200" baseline="0">
+                <a:solidFill>
+                  <a:schemeClr val="tx1"/>
+                </a:solidFill>
+                <a:effectLst/>
+                <a:latin typeface="+mn-lt"/>
+                <a:ea typeface="+mn-ea"/>
+                <a:cs typeface="+mn-cs"/>
+              </a:defRPr>
+            </a:lvl9pPr>
+          </a:lstStyle>
+          <a:p>
+            <a:pPr marL="914400" lvl="2" indent="0">
+              <a:buFont typeface="Arial" panose="020B0604020202020204" pitchFamily="34" charset="0"/>
+              <a:buNone/>
+            </a:pPr>
+            <a:r>
+              <a:rPr lang="pt-PT" dirty="0"/>
+              <a:t>Neural Networks - LSTM </a:t>
+            </a:r>
+          </a:p>
+          <a:p>
+            <a:pPr marL="914400" lvl="2" indent="0">
+              <a:buFont typeface="Arial" panose="020B0604020202020204" pitchFamily="34" charset="0"/>
+              <a:buNone/>
+            </a:pPr>
+            <a:r>
+              <a:rPr lang="pt-PT" dirty="0"/>
+              <a:t>The Process</a:t>
+            </a:r>
             <a:endParaRPr lang="en-US" dirty="0"/>
-          </a:p>
-          <a:p>
-            <a:r>
-              <a:rPr lang="en-US" sz="2200" dirty="0"/>
-              <a:t>Is there any uniqueness in analyzing the value of assets than remained relevant for 40 years?</a:t>
-            </a:r>
-            <a:br>
-              <a:rPr lang="en-US" sz="2200" dirty="0"/>
-            </a:br>
-            <a:endParaRPr lang="en-US" sz="2200" dirty="0"/>
-          </a:p>
-          <a:p>
-            <a:br>
-              <a:rPr lang="en-US" sz="1800" dirty="0"/>
-            </a:br>
-            <a:r>
-              <a:rPr lang="en-US" sz="2200" dirty="0"/>
-              <a:t>Is there any uniqueness in comparing the value of assets </a:t>
-            </a:r>
-            <a:br>
-              <a:rPr lang="en-US" sz="2200" dirty="0"/>
-            </a:br>
-            <a:r>
-              <a:rPr lang="en-US" sz="2200" dirty="0"/>
-              <a:t>play a major role in the world economy?</a:t>
-            </a:r>
           </a:p>
         </p:txBody>
       </p:sp>
     </p:spTree>
     <p:extLst>
       <p:ext uri="{BB962C8B-B14F-4D97-AF65-F5344CB8AC3E}">
-        <p14:creationId xmlns:p14="http://schemas.microsoft.com/office/powerpoint/2010/main" val="2254303493"/>
+        <p14:creationId xmlns:p14="http://schemas.microsoft.com/office/powerpoint/2010/main" val="2195280627"/>
       </p:ext>
     </p:extLst>
   </p:cSld>
